--- a/Document/presentation.pptx
+++ b/Document/presentation.pptx
@@ -1491,11 +1491,11 @@
     <dgm:cxn modelId="{85CA5C99-10E4-48A4-B37F-C73E42503CE1}" type="presOf" srcId="{B1D0CB7A-90CC-4C41-B7A3-9F1E7EC82CF4}" destId="{AC085BD4-2A95-4CEB-B0AC-06AA81587C93}" srcOrd="0" destOrd="0" presId="urn:microsoft.com/office/officeart/2005/8/layout/chevron2"/>
     <dgm:cxn modelId="{52B8474D-A310-4EA6-BFC4-1B7C06B0E56E}" type="presOf" srcId="{8DA1DC26-7F26-43AC-830B-D18379F7D0CA}" destId="{128152DA-8961-4B29-B0D4-BF935D5CD212}" srcOrd="0" destOrd="0" presId="urn:microsoft.com/office/officeart/2005/8/layout/chevron2"/>
     <dgm:cxn modelId="{0FEBE93C-E044-4F0A-9A05-393CF8368D46}" srcId="{4745EB33-CF01-49FB-B125-2A4F19DF60A1}" destId="{F0B1F56A-7E6A-45BB-8756-59D770083B63}" srcOrd="0" destOrd="0" parTransId="{00F92ECA-F635-4513-8E8B-988941B42857}" sibTransId="{CC30ADFC-9E61-4B16-816C-229AC14E7BD2}"/>
+    <dgm:cxn modelId="{40373073-CD44-4A62-BFB3-B86360AC324E}" srcId="{B889E3E7-EEF2-4CC7-9F53-1E7F9BC3AA59}" destId="{B1D0CB7A-90CC-4C41-B7A3-9F1E7EC82CF4}" srcOrd="3" destOrd="0" parTransId="{D3DC6975-D0C2-4DBD-AEF4-1A029CD47E3F}" sibTransId="{FA2784AD-8654-4528-B309-CF3110E288E0}"/>
     <dgm:cxn modelId="{736C1178-1176-469B-84C0-AF8A2756544E}" type="presOf" srcId="{F0B1F56A-7E6A-45BB-8756-59D770083B63}" destId="{7852FC43-600B-4CD1-9EC1-3BBF77D084D7}" srcOrd="0" destOrd="0" presId="urn:microsoft.com/office/officeart/2005/8/layout/chevron2"/>
-    <dgm:cxn modelId="{40373073-CD44-4A62-BFB3-B86360AC324E}" srcId="{B889E3E7-EEF2-4CC7-9F53-1E7F9BC3AA59}" destId="{B1D0CB7A-90CC-4C41-B7A3-9F1E7EC82CF4}" srcOrd="3" destOrd="0" parTransId="{D3DC6975-D0C2-4DBD-AEF4-1A029CD47E3F}" sibTransId="{FA2784AD-8654-4528-B309-CF3110E288E0}"/>
     <dgm:cxn modelId="{CB77FE89-6200-44A5-A5E3-484FC3606038}" type="presOf" srcId="{B889E3E7-EEF2-4CC7-9F53-1E7F9BC3AA59}" destId="{183D8910-9360-4B58-BD72-292B8F1832EA}" srcOrd="0" destOrd="0" presId="urn:microsoft.com/office/officeart/2005/8/layout/chevron2"/>
+    <dgm:cxn modelId="{65FFDB2A-BDFF-4899-AD26-D687F57B2D57}" srcId="{B1D0CB7A-90CC-4C41-B7A3-9F1E7EC82CF4}" destId="{118B20B0-0A92-44EE-A625-E2AB995E8C8A}" srcOrd="0" destOrd="0" parTransId="{8494CE01-3412-46C9-A980-C100564931B0}" sibTransId="{3E3C4B93-43AA-4D93-84D0-B00C517E5C9F}"/>
     <dgm:cxn modelId="{582C0489-4C4F-455A-BFE1-BC1F1C76AC75}" type="presOf" srcId="{4745EB33-CF01-49FB-B125-2A4F19DF60A1}" destId="{F302DD2F-D83D-4500-A796-296E92646C6D}" srcOrd="0" destOrd="0" presId="urn:microsoft.com/office/officeart/2005/8/layout/chevron2"/>
-    <dgm:cxn modelId="{65FFDB2A-BDFF-4899-AD26-D687F57B2D57}" srcId="{B1D0CB7A-90CC-4C41-B7A3-9F1E7EC82CF4}" destId="{118B20B0-0A92-44EE-A625-E2AB995E8C8A}" srcOrd="0" destOrd="0" parTransId="{8494CE01-3412-46C9-A980-C100564931B0}" sibTransId="{3E3C4B93-43AA-4D93-84D0-B00C517E5C9F}"/>
     <dgm:cxn modelId="{6F1277E5-96BF-4A64-A69B-4A913AD5D4D1}" type="presOf" srcId="{7A87E9EA-111E-4B18-8040-3093B2BC105E}" destId="{E0949788-F1DA-4C2D-A0F5-4C6B35025151}" srcOrd="0" destOrd="0" presId="urn:microsoft.com/office/officeart/2005/8/layout/chevron2"/>
     <dgm:cxn modelId="{E1AB6D53-DCF8-42BD-B507-59AA1F01EA85}" type="presOf" srcId="{5FBF1ADD-B98D-4893-8510-FB77DBE9B190}" destId="{CC8979A5-073F-41AB-A8F3-6E3210A3B13C}" srcOrd="0" destOrd="0" presId="urn:microsoft.com/office/officeart/2005/8/layout/chevron2"/>
     <dgm:cxn modelId="{A44B836E-E9DC-4B82-8BBE-821FE30F7E7A}" srcId="{B889E3E7-EEF2-4CC7-9F53-1E7F9BC3AA59}" destId="{4745EB33-CF01-49FB-B125-2A4F19DF60A1}" srcOrd="2" destOrd="0" parTransId="{E277C4FE-FB28-4EA2-B0AE-749A885F6040}" sibTransId="{31DF01C9-74FB-471A-B233-A41774F9F6D4}"/>
@@ -3639,7 +3639,7 @@
           <a:p>
             <a:fld id="{A2409531-1F15-414F-99DB-EA12047F9A9E}" type="datetimeFigureOut">
               <a:rPr lang="en-US" smtClean="0"/>
-              <a:t>11/28/17</a:t>
+              <a:t>11/29/17</a:t>
             </a:fld>
             <a:endParaRPr lang="en-US"/>
           </a:p>
@@ -4328,7 +4328,7 @@
           <a:p>
             <a:fld id="{9F64090C-47E9-4331-96AF-7ECD35FE7319}" type="datetimeFigureOut">
               <a:rPr lang="en-US" smtClean="0"/>
-              <a:t>11/28/17</a:t>
+              <a:t>11/29/17</a:t>
             </a:fld>
             <a:endParaRPr lang="en-US"/>
           </a:p>
@@ -4531,7 +4531,7 @@
           <a:p>
             <a:fld id="{9F64090C-47E9-4331-96AF-7ECD35FE7319}" type="datetimeFigureOut">
               <a:rPr lang="en-US" smtClean="0"/>
-              <a:t>11/28/17</a:t>
+              <a:t>11/29/17</a:t>
             </a:fld>
             <a:endParaRPr lang="en-US"/>
           </a:p>
@@ -4710,7 +4710,7 @@
           <a:p>
             <a:fld id="{9F64090C-47E9-4331-96AF-7ECD35FE7319}" type="datetimeFigureOut">
               <a:rPr lang="en-US" smtClean="0"/>
-              <a:t>11/28/17</a:t>
+              <a:t>11/29/17</a:t>
             </a:fld>
             <a:endParaRPr lang="en-US"/>
           </a:p>
@@ -4800,7 +4800,7 @@
           <a:p>
             <a:fld id="{9F64090C-47E9-4331-96AF-7ECD35FE7319}" type="datetimeFigureOut">
               <a:rPr lang="en-US" smtClean="0"/>
-              <a:t>11/28/17</a:t>
+              <a:t>11/29/17</a:t>
             </a:fld>
             <a:endParaRPr lang="en-US"/>
           </a:p>
@@ -5388,7 +5388,7 @@
           <a:p>
             <a:fld id="{9F64090C-47E9-4331-96AF-7ECD35FE7319}" type="datetimeFigureOut">
               <a:rPr lang="en-US" smtClean="0"/>
-              <a:t>11/28/17</a:t>
+              <a:t>11/29/17</a:t>
             </a:fld>
             <a:endParaRPr lang="en-US"/>
           </a:p>
@@ -5478,7 +5478,7 @@
           <a:p>
             <a:fld id="{9F64090C-47E9-4331-96AF-7ECD35FE7319}" type="datetimeFigureOut">
               <a:rPr lang="en-US" smtClean="0"/>
-              <a:t>11/28/17</a:t>
+              <a:t>11/29/17</a:t>
             </a:fld>
             <a:endParaRPr lang="en-US"/>
           </a:p>
@@ -6073,7 +6073,7 @@
           <a:p>
             <a:fld id="{9F64090C-47E9-4331-96AF-7ECD35FE7319}" type="datetimeFigureOut">
               <a:rPr lang="en-US" smtClean="0"/>
-              <a:t>11/28/17</a:t>
+              <a:t>11/29/17</a:t>
             </a:fld>
             <a:endParaRPr lang="en-US"/>
           </a:p>
@@ -6209,7 +6209,7 @@
           <a:p>
             <a:fld id="{9F64090C-47E9-4331-96AF-7ECD35FE7319}" type="datetimeFigureOut">
               <a:rPr lang="en-US" smtClean="0"/>
-              <a:t>11/28/17</a:t>
+              <a:t>11/29/17</a:t>
             </a:fld>
             <a:endParaRPr lang="en-US"/>
           </a:p>
@@ -6299,7 +6299,7 @@
           <a:p>
             <a:fld id="{9F64090C-47E9-4331-96AF-7ECD35FE7319}" type="datetimeFigureOut">
               <a:rPr lang="en-US" smtClean="0"/>
-              <a:t>11/28/17</a:t>
+              <a:t>11/29/17</a:t>
             </a:fld>
             <a:endParaRPr lang="en-US"/>
           </a:p>
@@ -6576,7 +6576,7 @@
           <a:p>
             <a:fld id="{9F64090C-47E9-4331-96AF-7ECD35FE7319}" type="datetimeFigureOut">
               <a:rPr lang="en-US" smtClean="0"/>
-              <a:t>11/28/17</a:t>
+              <a:t>11/29/17</a:t>
             </a:fld>
             <a:endParaRPr lang="en-US"/>
           </a:p>
@@ -7090,7 +7090,7 @@
           <a:p>
             <a:fld id="{9F64090C-47E9-4331-96AF-7ECD35FE7319}" type="datetimeFigureOut">
               <a:rPr lang="en-US" smtClean="0"/>
-              <a:t>11/28/17</a:t>
+              <a:t>11/29/17</a:t>
             </a:fld>
             <a:endParaRPr lang="en-US"/>
           </a:p>
@@ -7603,7 +7603,7 @@
           <a:p>
             <a:fld id="{9F64090C-47E9-4331-96AF-7ECD35FE7319}" type="datetimeFigureOut">
               <a:rPr lang="en-US" smtClean="0"/>
-              <a:t>11/28/17</a:t>
+              <a:t>11/29/17</a:t>
             </a:fld>
             <a:endParaRPr lang="en-US"/>
           </a:p>
@@ -9544,7 +9544,7 @@
           <a:graphicData uri="http://schemas.openxmlformats.org/presentationml/2006/ole">
             <mc:AlternateContent xmlns:mc="http://schemas.openxmlformats.org/markup-compatibility/2006">
               <mc:Choice xmlns:v="urn:schemas-microsoft-com:vml" Requires="v">
-                <p:oleObj spid="_x0000_s2056" name="Visio" r:id="rId3" imgW="5105346" imgH="857418" progId="Visio.Drawing.15">
+                <p:oleObj spid="_x0000_s2060" name="Visio" r:id="rId3" imgW="5105346" imgH="857418" progId="Visio.Drawing.15">
                   <p:embed/>
                 </p:oleObj>
               </mc:Choice>
@@ -9617,7 +9617,7 @@
           <a:graphicData uri="http://schemas.openxmlformats.org/presentationml/2006/ole">
             <mc:AlternateContent xmlns:mc="http://schemas.openxmlformats.org/markup-compatibility/2006">
               <mc:Choice xmlns:v="urn:schemas-microsoft-com:vml" Requires="v">
-                <p:oleObj spid="_x0000_s2057" name="Visio" r:id="rId5" imgW="4133719" imgH="857418" progId="Visio.Drawing.15">
+                <p:oleObj spid="_x0000_s2061" name="Visio" r:id="rId5" imgW="4133719" imgH="857418" progId="Visio.Drawing.15">
                   <p:embed/>
                 </p:oleObj>
               </mc:Choice>
@@ -10396,17 +10396,7 @@
                 <a:latin typeface="Times New Roman" panose="02020603050405020304" pitchFamily="18" charset="0"/>
                 <a:cs typeface="Times New Roman" panose="02020603050405020304" pitchFamily="18" charset="0"/>
               </a:rPr>
-              <a:t> </a:t>
-            </a:r>
-            <a:r>
-              <a:rPr lang="en-US">
-                <a:solidFill>
-                  <a:srgbClr val="212745"/>
-                </a:solidFill>
-                <a:latin typeface="Times New Roman" panose="02020603050405020304" pitchFamily="18" charset="0"/>
-                <a:cs typeface="Times New Roman" panose="02020603050405020304" pitchFamily="18" charset="0"/>
-              </a:rPr>
-              <a:t>d</a:t>
+              <a:t> d</a:t>
             </a:r>
             <a:r>
               <a:rPr lang="en-US" smtClean="0">
@@ -11855,7 +11845,7 @@
         <p:spPr>
           <a:xfrm>
             <a:off x="457200" y="381000"/>
-            <a:ext cx="3975768" cy="707886"/>
+            <a:ext cx="3661580" cy="707886"/>
           </a:xfrm>
           <a:prstGeom prst="rect">
             <a:avLst/>
@@ -11872,14 +11862,14 @@
               <a:defRPr/>
             </a:pPr>
             <a:r>
-              <a:rPr lang="en-US" sz="4000" b="1" err="1">
+              <a:rPr lang="en-US" sz="4000" b="1" smtClean="0">
                 <a:solidFill>
                   <a:schemeClr val="accent5"/>
                 </a:solidFill>
                 <a:latin typeface="Times New Roman" panose="02020603050405020304" pitchFamily="18" charset="0"/>
                 <a:cs typeface="Times New Roman" panose="02020603050405020304" pitchFamily="18" charset="0"/>
               </a:rPr>
-              <a:t>Lập</a:t>
+              <a:t>Thiết kế </a:t>
             </a:r>
             <a:r>
               <a:rPr lang="en-US" sz="4000" b="1">
@@ -11889,27 +11879,7 @@
                 <a:latin typeface="Times New Roman" panose="02020603050405020304" pitchFamily="18" charset="0"/>
                 <a:cs typeface="Times New Roman" panose="02020603050405020304" pitchFamily="18" charset="0"/>
               </a:rPr>
-              <a:t> </a:t>
-            </a:r>
-            <a:r>
-              <a:rPr lang="en-US" sz="4000" b="1" err="1">
-                <a:solidFill>
-                  <a:schemeClr val="accent5"/>
-                </a:solidFill>
-                <a:latin typeface="Times New Roman" panose="02020603050405020304" pitchFamily="18" charset="0"/>
-                <a:cs typeface="Times New Roman" panose="02020603050405020304" pitchFamily="18" charset="0"/>
-              </a:rPr>
-              <a:t>trình</a:t>
-            </a:r>
-            <a:r>
-              <a:rPr lang="en-US" sz="4000" b="1">
-                <a:solidFill>
-                  <a:schemeClr val="accent5"/>
-                </a:solidFill>
-                <a:latin typeface="Times New Roman" panose="02020603050405020304" pitchFamily="18" charset="0"/>
-                <a:cs typeface="Times New Roman" panose="02020603050405020304" pitchFamily="18" charset="0"/>
-              </a:rPr>
-              <a:t> server:</a:t>
+              <a:t>server:</a:t>
             </a:r>
             <a:endParaRPr kumimoji="0" lang="en-US" sz="4000" b="1" i="0" u="none" strike="noStrike" kern="1200" cap="none" spc="0" normalizeH="0" baseline="0" noProof="0">
               <a:ln>
@@ -15313,13 +15283,7 @@
       </p:sp>
       <p:pic>
         <p:nvPicPr>
-          <p:cNvPr id="12" name="Picture 11">
-            <a:extLst>
-              <a:ext uri="{FF2B5EF4-FFF2-40B4-BE49-F238E27FC236}">
-                <a16:creationId xmlns:a16="http://schemas.microsoft.com/office/drawing/2014/main" xmlns="" id="{93640D72-5C70-4E53-8DD2-54DB1335E279}"/>
-              </a:ext>
-            </a:extLst>
-          </p:cNvPr>
+          <p:cNvPr id="2" name="Picture 1"/>
           <p:cNvPicPr>
             <a:picLocks noChangeAspect="1"/>
           </p:cNvPicPr>
@@ -15339,8 +15303,8 @@
         </p:blipFill>
         <p:spPr>
           <a:xfrm>
-            <a:off x="457200" y="2895601"/>
-            <a:ext cx="4002277" cy="2985094"/>
+            <a:off x="131031" y="3083581"/>
+            <a:ext cx="4306453" cy="2326620"/>
           </a:xfrm>
           <a:prstGeom prst="rect">
             <a:avLst/>
@@ -15349,13 +15313,7 @@
       </p:pic>
       <p:pic>
         <p:nvPicPr>
-          <p:cNvPr id="14" name="Picture 13">
-            <a:extLst>
-              <a:ext uri="{FF2B5EF4-FFF2-40B4-BE49-F238E27FC236}">
-                <a16:creationId xmlns:a16="http://schemas.microsoft.com/office/drawing/2014/main" xmlns="" id="{5C99022C-8964-4DA2-B698-6A60CCF7C49D}"/>
-              </a:ext>
-            </a:extLst>
-          </p:cNvPr>
+          <p:cNvPr id="3" name="Picture 2"/>
           <p:cNvPicPr>
             <a:picLocks noChangeAspect="1"/>
           </p:cNvPicPr>
@@ -15375,8 +15333,8 @@
         </p:blipFill>
         <p:spPr>
           <a:xfrm>
-            <a:off x="4572000" y="2895602"/>
-            <a:ext cx="4343400" cy="3262726"/>
+            <a:off x="4731166" y="3083580"/>
+            <a:ext cx="4306453" cy="2326620"/>
           </a:xfrm>
           <a:prstGeom prst="rect">
             <a:avLst/>
